--- a/Lab 2_DS.pptx
+++ b/Lab 2_DS.pptx
@@ -8,18 +8,17 @@
     <p:sldId id="256" r:id="rId2"/>
     <p:sldId id="257" r:id="rId3"/>
     <p:sldId id="258" r:id="rId4"/>
-    <p:sldId id="259" r:id="rId5"/>
-    <p:sldId id="260" r:id="rId6"/>
-    <p:sldId id="261" r:id="rId7"/>
-    <p:sldId id="262" r:id="rId8"/>
-    <p:sldId id="263" r:id="rId9"/>
-    <p:sldId id="264" r:id="rId10"/>
-    <p:sldId id="265" r:id="rId11"/>
-    <p:sldId id="266" r:id="rId12"/>
-    <p:sldId id="267" r:id="rId13"/>
-    <p:sldId id="268" r:id="rId14"/>
-    <p:sldId id="269" r:id="rId15"/>
-    <p:sldId id="270" r:id="rId16"/>
+    <p:sldId id="260" r:id="rId5"/>
+    <p:sldId id="261" r:id="rId6"/>
+    <p:sldId id="262" r:id="rId7"/>
+    <p:sldId id="263" r:id="rId8"/>
+    <p:sldId id="264" r:id="rId9"/>
+    <p:sldId id="265" r:id="rId10"/>
+    <p:sldId id="266" r:id="rId11"/>
+    <p:sldId id="267" r:id="rId12"/>
+    <p:sldId id="268" r:id="rId13"/>
+    <p:sldId id="269" r:id="rId14"/>
+    <p:sldId id="270" r:id="rId15"/>
   </p:sldIdLst>
   <p:sldSz cx="12192000" cy="6858000"/>
   <p:notesSz cx="6858000" cy="9144000"/>
@@ -118,6 +117,11 @@
       </a:defRPr>
     </a:lvl9pPr>
   </p:defaultTextStyle>
+  <p:extLst>
+    <p:ext uri="{EFAFB233-063F-42B5-8137-9DF3F51BA10A}">
+      <p15:sldGuideLst xmlns:p15="http://schemas.microsoft.com/office/powerpoint/2012/main"/>
+    </p:ext>
+  </p:extLst>
 </p:presentation>
 </file>
 
@@ -289,7 +293,7 @@
           <a:p>
             <a:fld id="{4AAD347D-5ACD-4C99-B74B-A9C85AD731AF}" type="datetimeFigureOut">
               <a:rPr lang="en-US" smtClean="0"/>
-              <a:t>10/9/2024</a:t>
+              <a:t>10/17/2024</a:t>
             </a:fld>
             <a:endParaRPr lang="en-US" dirty="0"/>
           </a:p>
@@ -517,7 +521,7 @@
           <a:p>
             <a:fld id="{4509A250-FF31-4206-8172-F9D3106AACB1}" type="datetimeFigureOut">
               <a:rPr lang="en-US" smtClean="0"/>
-              <a:t>10/9/2024</a:t>
+              <a:t>10/17/2024</a:t>
             </a:fld>
             <a:endParaRPr lang="en-US" dirty="0"/>
           </a:p>
@@ -697,7 +701,7 @@
           <a:p>
             <a:fld id="{4509A250-FF31-4206-8172-F9D3106AACB1}" type="datetimeFigureOut">
               <a:rPr lang="en-US" smtClean="0"/>
-              <a:t>10/9/2024</a:t>
+              <a:t>10/17/2024</a:t>
             </a:fld>
             <a:endParaRPr lang="en-US" dirty="0"/>
           </a:p>
@@ -867,7 +871,7 @@
           <a:p>
             <a:fld id="{4509A250-FF31-4206-8172-F9D3106AACB1}" type="datetimeFigureOut">
               <a:rPr lang="en-US" smtClean="0"/>
-              <a:t>10/9/2024</a:t>
+              <a:t>10/17/2024</a:t>
             </a:fld>
             <a:endParaRPr lang="en-US" dirty="0"/>
           </a:p>
@@ -1121,7 +1125,7 @@
           <a:p>
             <a:fld id="{9796027F-7875-4030-9381-8BD8C4F21935}" type="datetimeFigureOut">
               <a:rPr lang="en-US" smtClean="0"/>
-              <a:t>10/9/2024</a:t>
+              <a:t>10/17/2024</a:t>
             </a:fld>
             <a:endParaRPr lang="en-US" dirty="0"/>
           </a:p>
@@ -1447,7 +1451,7 @@
           <a:p>
             <a:fld id="{9796027F-7875-4030-9381-8BD8C4F21935}" type="datetimeFigureOut">
               <a:rPr lang="en-US" smtClean="0"/>
-              <a:t>10/9/2024</a:t>
+              <a:t>10/17/2024</a:t>
             </a:fld>
             <a:endParaRPr lang="en-US" dirty="0"/>
           </a:p>
@@ -1898,7 +1902,7 @@
           <a:p>
             <a:fld id="{9796027F-7875-4030-9381-8BD8C4F21935}" type="datetimeFigureOut">
               <a:rPr lang="en-US" smtClean="0"/>
-              <a:t>10/9/2024</a:t>
+              <a:t>10/17/2024</a:t>
             </a:fld>
             <a:endParaRPr lang="en-US" dirty="0"/>
           </a:p>
@@ -2016,7 +2020,7 @@
           <a:p>
             <a:fld id="{4509A250-FF31-4206-8172-F9D3106AACB1}" type="datetimeFigureOut">
               <a:rPr lang="en-US" smtClean="0"/>
-              <a:t>10/9/2024</a:t>
+              <a:t>10/17/2024</a:t>
             </a:fld>
             <a:endParaRPr lang="en-US" dirty="0"/>
           </a:p>
@@ -2111,7 +2115,7 @@
           <a:p>
             <a:fld id="{4509A250-FF31-4206-8172-F9D3106AACB1}" type="datetimeFigureOut">
               <a:rPr lang="en-US" smtClean="0"/>
-              <a:t>10/9/2024</a:t>
+              <a:t>10/17/2024</a:t>
             </a:fld>
             <a:endParaRPr lang="en-US" dirty="0"/>
           </a:p>
@@ -2398,7 +2402,7 @@
           <a:p>
             <a:fld id="{4509A250-FF31-4206-8172-F9D3106AACB1}" type="datetimeFigureOut">
               <a:rPr lang="en-US" smtClean="0"/>
-              <a:t>10/9/2024</a:t>
+              <a:t>10/17/2024</a:t>
             </a:fld>
             <a:endParaRPr lang="en-US" dirty="0"/>
           </a:p>
@@ -2720,7 +2724,7 @@
           <a:p>
             <a:fld id="{4509A250-FF31-4206-8172-F9D3106AACB1}" type="datetimeFigureOut">
               <a:rPr lang="en-US" smtClean="0"/>
-              <a:t>10/9/2024</a:t>
+              <a:t>10/17/2024</a:t>
             </a:fld>
             <a:endParaRPr lang="en-US" dirty="0"/>
           </a:p>
@@ -2974,7 +2978,7 @@
           <a:p>
             <a:fld id="{4AAD347D-5ACD-4C99-B74B-A9C85AD731AF}" type="datetimeFigureOut">
               <a:rPr lang="en-US" smtClean="0"/>
-              <a:t>10/9/2024</a:t>
+              <a:t>10/17/2024</a:t>
             </a:fld>
             <a:endParaRPr lang="en-US" dirty="0"/>
           </a:p>
@@ -3582,372 +3586,6 @@
           <a:p>
             <a:r>
               <a:rPr lang="en-US" dirty="0"/>
-              <a:t>Lab Task Overview</a:t>
-            </a:r>
-          </a:p>
-        </p:txBody>
-      </p:sp>
-      <p:sp>
-        <p:nvSpPr>
-          <p:cNvPr id="4" name="Rectangle 1"/>
-          <p:cNvSpPr>
-            <a:spLocks noGrp="1" noChangeArrowheads="1"/>
-          </p:cNvSpPr>
-          <p:nvPr>
-            <p:ph idx="1"/>
-          </p:nvPr>
-        </p:nvSpPr>
-        <p:spPr bwMode="auto">
-          <a:prstGeom prst="rect">
-            <a:avLst/>
-          </a:prstGeom>
-          <a:noFill/>
-          <a:ln>
-            <a:noFill/>
-          </a:ln>
-          <a:effectLst/>
-          <a:extLst>
-            <a:ext uri="{909E8E84-426E-40DD-AFC4-6F175D3DCCD1}">
-              <a14:hiddenFill xmlns:a14="http://schemas.microsoft.com/office/drawing/2010/main">
-                <a:solidFill>
-                  <a:schemeClr val="accent1"/>
-                </a:solidFill>
-              </a14:hiddenFill>
-            </a:ext>
-            <a:ext uri="{91240B29-F687-4F45-9708-019B960494DF}">
-              <a14:hiddenLine xmlns:a14="http://schemas.microsoft.com/office/drawing/2010/main" w="9525">
-                <a:solidFill>
-                  <a:schemeClr val="tx1"/>
-                </a:solidFill>
-                <a:miter lim="800000"/>
-                <a:headEnd/>
-                <a:tailEnd/>
-              </a14:hiddenLine>
-            </a:ext>
-            <a:ext uri="{AF507438-7753-43E0-B8FC-AC1667EBCBE1}">
-              <a14:hiddenEffects xmlns:a14="http://schemas.microsoft.com/office/drawing/2010/main">
-                <a:effectLst>
-                  <a:outerShdw dist="35921" dir="2700000" algn="ctr" rotWithShape="0">
-                    <a:schemeClr val="bg2"/>
-                  </a:outerShdw>
-                </a:effectLst>
-              </a14:hiddenEffects>
-            </a:ext>
-          </a:extLst>
-        </p:spPr>
-        <p:txBody>
-          <a:bodyPr vert="horz" wrap="none" lIns="91440" tIns="45720" rIns="91440" bIns="45720" numCol="1" anchor="ctr" anchorCtr="0" compatLnSpc="1">
-            <a:prstTxWarp prst="textNoShape">
-              <a:avLst/>
-            </a:prstTxWarp>
-            <a:spAutoFit/>
-          </a:bodyPr>
-          <a:lstStyle/>
-          <a:p>
-            <a:pPr marL="0" marR="0" lvl="0" indent="0" algn="l" defTabSz="914400" rtl="0" eaLnBrk="0" fontAlgn="base" latinLnBrk="0" hangingPunct="0">
-              <a:lnSpc>
-                <a:spcPct val="100000"/>
-              </a:lnSpc>
-              <a:spcBef>
-                <a:spcPct val="0"/>
-              </a:spcBef>
-              <a:spcAft>
-                <a:spcPct val="0"/>
-              </a:spcAft>
-              <a:buClrTx/>
-              <a:buSzTx/>
-              <a:buFontTx/>
-              <a:buChar char="•"/>
-              <a:tabLst/>
-            </a:pPr>
-            <a:r>
-              <a:rPr kumimoji="0" lang="en-US" altLang="en-US" sz="1800" b="1" i="0" u="none" strike="noStrike" cap="none" normalizeH="0" baseline="0" smtClean="0">
-                <a:ln>
-                  <a:noFill/>
-                </a:ln>
-                <a:solidFill>
-                  <a:schemeClr val="tx1"/>
-                </a:solidFill>
-                <a:effectLst/>
-                <a:latin typeface="Arial" panose="020B0604020202020204" pitchFamily="34" charset="0"/>
-              </a:rPr>
-              <a:t>Create an Array</a:t>
-            </a:r>
-            <a:r>
-              <a:rPr kumimoji="0" lang="en-US" altLang="en-US" sz="1800" b="0" i="0" u="none" strike="noStrike" cap="none" normalizeH="0" baseline="0" smtClean="0">
-                <a:ln>
-                  <a:noFill/>
-                </a:ln>
-                <a:solidFill>
-                  <a:schemeClr val="tx1"/>
-                </a:solidFill>
-                <a:effectLst/>
-                <a:latin typeface="Arial" panose="020B0604020202020204" pitchFamily="34" charset="0"/>
-              </a:rPr>
-              <a:t>: Initialize an array and store elements.</a:t>
-            </a:r>
-          </a:p>
-          <a:p>
-            <a:pPr marL="0" marR="0" lvl="0" indent="0" algn="l" defTabSz="914400" rtl="0" eaLnBrk="0" fontAlgn="base" latinLnBrk="0" hangingPunct="0">
-              <a:lnSpc>
-                <a:spcPct val="100000"/>
-              </a:lnSpc>
-              <a:spcBef>
-                <a:spcPct val="0"/>
-              </a:spcBef>
-              <a:spcAft>
-                <a:spcPct val="0"/>
-              </a:spcAft>
-              <a:buClrTx/>
-              <a:buSzTx/>
-              <a:buFontTx/>
-              <a:buChar char="•"/>
-              <a:tabLst/>
-            </a:pPr>
-            <a:r>
-              <a:rPr kumimoji="0" lang="en-US" altLang="en-US" sz="1800" b="1" i="0" u="none" strike="noStrike" cap="none" normalizeH="0" baseline="0" smtClean="0">
-                <a:ln>
-                  <a:noFill/>
-                </a:ln>
-                <a:solidFill>
-                  <a:schemeClr val="tx1"/>
-                </a:solidFill>
-                <a:effectLst/>
-                <a:latin typeface="Arial" panose="020B0604020202020204" pitchFamily="34" charset="0"/>
-              </a:rPr>
-              <a:t>Perform Operations</a:t>
-            </a:r>
-            <a:r>
-              <a:rPr kumimoji="0" lang="en-US" altLang="en-US" sz="1800" b="0" i="0" u="none" strike="noStrike" cap="none" normalizeH="0" baseline="0" smtClean="0">
-                <a:ln>
-                  <a:noFill/>
-                </a:ln>
-                <a:solidFill>
-                  <a:schemeClr val="tx1"/>
-                </a:solidFill>
-                <a:effectLst/>
-                <a:latin typeface="Arial" panose="020B0604020202020204" pitchFamily="34" charset="0"/>
-              </a:rPr>
-              <a:t>:</a:t>
-            </a:r>
-          </a:p>
-          <a:p>
-            <a:pPr marL="0" marR="0" lvl="0" indent="0" algn="l" defTabSz="914400" rtl="0" eaLnBrk="0" fontAlgn="base" latinLnBrk="0" hangingPunct="0">
-              <a:lnSpc>
-                <a:spcPct val="100000"/>
-              </a:lnSpc>
-              <a:spcBef>
-                <a:spcPct val="0"/>
-              </a:spcBef>
-              <a:spcAft>
-                <a:spcPct val="0"/>
-              </a:spcAft>
-              <a:buClrTx/>
-              <a:buSzTx/>
-              <a:buFontTx/>
-              <a:buChar char="•"/>
-              <a:tabLst/>
-            </a:pPr>
-            <a:r>
-              <a:rPr kumimoji="0" lang="en-US" altLang="en-US" sz="1800" b="0" i="0" u="none" strike="noStrike" cap="none" normalizeH="0" baseline="0" smtClean="0">
-                <a:ln>
-                  <a:noFill/>
-                </a:ln>
-                <a:solidFill>
-                  <a:schemeClr val="tx1"/>
-                </a:solidFill>
-                <a:effectLst/>
-                <a:latin typeface="Arial" panose="020B0604020202020204" pitchFamily="34" charset="0"/>
-              </a:rPr>
-              <a:t>Insert an element at a specific position.</a:t>
-            </a:r>
-          </a:p>
-          <a:p>
-            <a:pPr marL="0" marR="0" lvl="0" indent="0" algn="l" defTabSz="914400" rtl="0" eaLnBrk="0" fontAlgn="base" latinLnBrk="0" hangingPunct="0">
-              <a:lnSpc>
-                <a:spcPct val="100000"/>
-              </a:lnSpc>
-              <a:spcBef>
-                <a:spcPct val="0"/>
-              </a:spcBef>
-              <a:spcAft>
-                <a:spcPct val="0"/>
-              </a:spcAft>
-              <a:buClrTx/>
-              <a:buSzTx/>
-              <a:buFontTx/>
-              <a:buChar char="•"/>
-              <a:tabLst/>
-            </a:pPr>
-            <a:r>
-              <a:rPr kumimoji="0" lang="en-US" altLang="en-US" sz="1800" b="0" i="0" u="none" strike="noStrike" cap="none" normalizeH="0" baseline="0" smtClean="0">
-                <a:ln>
-                  <a:noFill/>
-                </a:ln>
-                <a:solidFill>
-                  <a:schemeClr val="tx1"/>
-                </a:solidFill>
-                <a:effectLst/>
-                <a:latin typeface="Arial" panose="020B0604020202020204" pitchFamily="34" charset="0"/>
-              </a:rPr>
-              <a:t>Delete an element from a specific position.</a:t>
-            </a:r>
-          </a:p>
-          <a:p>
-            <a:pPr marL="0" marR="0" lvl="0" indent="0" algn="l" defTabSz="914400" rtl="0" eaLnBrk="0" fontAlgn="base" latinLnBrk="0" hangingPunct="0">
-              <a:lnSpc>
-                <a:spcPct val="100000"/>
-              </a:lnSpc>
-              <a:spcBef>
-                <a:spcPct val="0"/>
-              </a:spcBef>
-              <a:spcAft>
-                <a:spcPct val="0"/>
-              </a:spcAft>
-              <a:buClrTx/>
-              <a:buSzTx/>
-              <a:buFontTx/>
-              <a:buChar char="•"/>
-              <a:tabLst/>
-            </a:pPr>
-            <a:r>
-              <a:rPr kumimoji="0" lang="en-US" altLang="en-US" sz="1800" b="0" i="0" u="none" strike="noStrike" cap="none" normalizeH="0" baseline="0" smtClean="0">
-                <a:ln>
-                  <a:noFill/>
-                </a:ln>
-                <a:solidFill>
-                  <a:schemeClr val="tx1"/>
-                </a:solidFill>
-                <a:effectLst/>
-                <a:latin typeface="Arial" panose="020B0604020202020204" pitchFamily="34" charset="0"/>
-              </a:rPr>
-              <a:t>Search for an element in the array.</a:t>
-            </a:r>
-          </a:p>
-          <a:p>
-            <a:pPr marL="0" marR="0" lvl="0" indent="0" algn="l" defTabSz="914400" rtl="0" eaLnBrk="0" fontAlgn="base" latinLnBrk="0" hangingPunct="0">
-              <a:lnSpc>
-                <a:spcPct val="100000"/>
-              </a:lnSpc>
-              <a:spcBef>
-                <a:spcPct val="0"/>
-              </a:spcBef>
-              <a:spcAft>
-                <a:spcPct val="0"/>
-              </a:spcAft>
-              <a:buClrTx/>
-              <a:buSzTx/>
-              <a:buFontTx/>
-              <a:buChar char="•"/>
-              <a:tabLst/>
-            </a:pPr>
-            <a:r>
-              <a:rPr kumimoji="0" lang="en-US" altLang="en-US" sz="1800" b="0" i="0" u="none" strike="noStrike" cap="none" normalizeH="0" baseline="0" smtClean="0">
-                <a:ln>
-                  <a:noFill/>
-                </a:ln>
-                <a:solidFill>
-                  <a:schemeClr val="tx1"/>
-                </a:solidFill>
-                <a:effectLst/>
-                <a:latin typeface="Arial" panose="020B0604020202020204" pitchFamily="34" charset="0"/>
-              </a:rPr>
-              <a:t>Print the array after each operation.</a:t>
-            </a:r>
-          </a:p>
-          <a:p>
-            <a:pPr marL="0" marR="0" lvl="0" indent="0" algn="l" defTabSz="914400" rtl="0" eaLnBrk="0" fontAlgn="base" latinLnBrk="0" hangingPunct="0">
-              <a:lnSpc>
-                <a:spcPct val="100000"/>
-              </a:lnSpc>
-              <a:spcBef>
-                <a:spcPct val="0"/>
-              </a:spcBef>
-              <a:spcAft>
-                <a:spcPct val="0"/>
-              </a:spcAft>
-              <a:buClrTx/>
-              <a:buSzTx/>
-              <a:buFontTx/>
-              <a:buChar char="•"/>
-              <a:tabLst/>
-            </a:pPr>
-            <a:r>
-              <a:rPr kumimoji="0" lang="en-US" altLang="en-US" sz="1800" b="1" i="0" u="none" strike="noStrike" cap="none" normalizeH="0" baseline="0" smtClean="0">
-                <a:ln>
-                  <a:noFill/>
-                </a:ln>
-                <a:solidFill>
-                  <a:schemeClr val="tx1"/>
-                </a:solidFill>
-                <a:effectLst/>
-                <a:latin typeface="Arial" panose="020B0604020202020204" pitchFamily="34" charset="0"/>
-              </a:rPr>
-              <a:t>Tools/Language</a:t>
-            </a:r>
-            <a:r>
-              <a:rPr kumimoji="0" lang="en-US" altLang="en-US" sz="1800" b="0" i="0" u="none" strike="noStrike" cap="none" normalizeH="0" baseline="0" smtClean="0">
-                <a:ln>
-                  <a:noFill/>
-                </a:ln>
-                <a:solidFill>
-                  <a:schemeClr val="tx1"/>
-                </a:solidFill>
-                <a:effectLst/>
-                <a:latin typeface="Arial" panose="020B0604020202020204" pitchFamily="34" charset="0"/>
-              </a:rPr>
-              <a:t>: Use C/C++/Java/Python to implement. </a:t>
-            </a:r>
-          </a:p>
-        </p:txBody>
-      </p:sp>
-    </p:spTree>
-    <p:extLst>
-      <p:ext uri="{BB962C8B-B14F-4D97-AF65-F5344CB8AC3E}">
-        <p14:creationId xmlns:p14="http://schemas.microsoft.com/office/powerpoint/2010/main" val="4131953968"/>
-      </p:ext>
-    </p:extLst>
-  </p:cSld>
-  <p:clrMapOvr>
-    <a:masterClrMapping/>
-  </p:clrMapOvr>
-</p:sld>
-</file>
-
-<file path=ppt/slides/slide11.xml><?xml version="1.0" encoding="utf-8"?>
-<p:sld xmlns:a="http://schemas.openxmlformats.org/drawingml/2006/main" xmlns:r="http://schemas.openxmlformats.org/officeDocument/2006/relationships" xmlns:p="http://schemas.openxmlformats.org/presentationml/2006/main">
-  <p:cSld>
-    <p:spTree>
-      <p:nvGrpSpPr>
-        <p:cNvPr id="1" name=""/>
-        <p:cNvGrpSpPr/>
-        <p:nvPr/>
-      </p:nvGrpSpPr>
-      <p:grpSpPr>
-        <a:xfrm>
-          <a:off x="0" y="0"/>
-          <a:ext cx="0" cy="0"/>
-          <a:chOff x="0" y="0"/>
-          <a:chExt cx="0" cy="0"/>
-        </a:xfrm>
-      </p:grpSpPr>
-      <p:sp>
-        <p:nvSpPr>
-          <p:cNvPr id="2" name="Title 1"/>
-          <p:cNvSpPr>
-            <a:spLocks noGrp="1"/>
-          </p:cNvSpPr>
-          <p:nvPr>
-            <p:ph type="title"/>
-          </p:nvPr>
-        </p:nvSpPr>
-        <p:spPr/>
-        <p:txBody>
-          <a:bodyPr/>
-          <a:lstStyle/>
-          <a:p>
-            <a:r>
-              <a:rPr lang="en-US" dirty="0"/>
               <a:t>Pseudocode for Insertion</a:t>
             </a:r>
           </a:p>
@@ -4174,6 +3812,137 @@
 </p:sld>
 </file>
 
+<file path=ppt/slides/slide11.xml><?xml version="1.0" encoding="utf-8"?>
+<p:sld xmlns:a="http://schemas.openxmlformats.org/drawingml/2006/main" xmlns:r="http://schemas.openxmlformats.org/officeDocument/2006/relationships" xmlns:p="http://schemas.openxmlformats.org/presentationml/2006/main">
+  <p:cSld>
+    <p:spTree>
+      <p:nvGrpSpPr>
+        <p:cNvPr id="1" name=""/>
+        <p:cNvGrpSpPr/>
+        <p:nvPr/>
+      </p:nvGrpSpPr>
+      <p:grpSpPr>
+        <a:xfrm>
+          <a:off x="0" y="0"/>
+          <a:ext cx="0" cy="0"/>
+          <a:chOff x="0" y="0"/>
+          <a:chExt cx="0" cy="0"/>
+        </a:xfrm>
+      </p:grpSpPr>
+      <p:sp>
+        <p:nvSpPr>
+          <p:cNvPr id="2" name="Title 1"/>
+          <p:cNvSpPr>
+            <a:spLocks noGrp="1"/>
+          </p:cNvSpPr>
+          <p:nvPr>
+            <p:ph type="title"/>
+          </p:nvPr>
+        </p:nvSpPr>
+        <p:spPr/>
+        <p:txBody>
+          <a:bodyPr/>
+          <a:lstStyle/>
+          <a:p>
+            <a:r>
+              <a:rPr lang="en-US" dirty="0"/>
+              <a:t>Pseudocode for Deletion</a:t>
+            </a:r>
+          </a:p>
+        </p:txBody>
+      </p:sp>
+      <p:sp>
+        <p:nvSpPr>
+          <p:cNvPr id="3" name="Content Placeholder 2"/>
+          <p:cNvSpPr>
+            <a:spLocks noGrp="1"/>
+          </p:cNvSpPr>
+          <p:nvPr>
+            <p:ph idx="1"/>
+          </p:nvPr>
+        </p:nvSpPr>
+        <p:spPr/>
+        <p:txBody>
+          <a:bodyPr/>
+          <a:lstStyle/>
+          <a:p>
+            <a:r>
+              <a:rPr lang="pt-BR" dirty="0"/>
+              <a:t>delete(arr, n, pos) </a:t>
+            </a:r>
+            <a:endParaRPr lang="pt-BR" dirty="0" smtClean="0"/>
+          </a:p>
+          <a:p>
+            <a:r>
+              <a:rPr lang="pt-BR" dirty="0" smtClean="0"/>
+              <a:t>for </a:t>
+            </a:r>
+            <a:r>
+              <a:rPr lang="pt-BR" dirty="0"/>
+              <a:t>i from pos to </a:t>
+            </a:r>
+            <a:r>
+              <a:rPr lang="pt-BR" dirty="0" smtClean="0"/>
+              <a:t>n-1</a:t>
+            </a:r>
+          </a:p>
+          <a:p>
+            <a:r>
+              <a:rPr lang="pt-BR" dirty="0" smtClean="0"/>
+              <a:t> </a:t>
+            </a:r>
+            <a:r>
+              <a:rPr lang="pt-BR" dirty="0"/>
+              <a:t>arr[i] = arr[i+1</a:t>
+            </a:r>
+            <a:r>
+              <a:rPr lang="pt-BR" dirty="0" smtClean="0"/>
+              <a:t>]</a:t>
+            </a:r>
+          </a:p>
+          <a:p>
+            <a:r>
+              <a:rPr lang="pt-BR" dirty="0" smtClean="0"/>
+              <a:t> </a:t>
+            </a:r>
+            <a:r>
+              <a:rPr lang="pt-BR" dirty="0"/>
+              <a:t>n = n </a:t>
+            </a:r>
+            <a:r>
+              <a:rPr lang="pt-BR" dirty="0" smtClean="0"/>
+              <a:t>– 1</a:t>
+            </a:r>
+          </a:p>
+          <a:p>
+            <a:r>
+              <a:rPr lang="en-US" dirty="0" smtClean="0"/>
+              <a:t> </a:t>
+            </a:r>
+            <a:r>
+              <a:rPr lang="en-US" b="1" dirty="0"/>
+              <a:t>Explanation</a:t>
+            </a:r>
+            <a:r>
+              <a:rPr lang="en-US" dirty="0"/>
+              <a:t>: Shift elements to the left to fill the gap left by the deleted element.</a:t>
+            </a:r>
+          </a:p>
+        </p:txBody>
+      </p:sp>
+    </p:spTree>
+    <p:extLst>
+      <p:ext uri="{BB962C8B-B14F-4D97-AF65-F5344CB8AC3E}">
+        <p14:creationId xmlns:p14="http://schemas.microsoft.com/office/powerpoint/2010/main" val="41669062"/>
+      </p:ext>
+    </p:extLst>
+  </p:cSld>
+  <p:clrMapOvr>
+    <a:masterClrMapping/>
+  </p:clrMapOvr>
+</p:sld>
+</file>
+
 <file path=ppt/slides/slide12.xml><?xml version="1.0" encoding="utf-8"?>
 <p:sld xmlns:a="http://schemas.openxmlformats.org/drawingml/2006/main" xmlns:r="http://schemas.openxmlformats.org/officeDocument/2006/relationships" xmlns:p="http://schemas.openxmlformats.org/presentationml/2006/main">
   <p:cSld>
@@ -4208,137 +3977,6 @@
           <a:p>
             <a:r>
               <a:rPr lang="en-US" dirty="0"/>
-              <a:t>Pseudocode for Deletion</a:t>
-            </a:r>
-          </a:p>
-        </p:txBody>
-      </p:sp>
-      <p:sp>
-        <p:nvSpPr>
-          <p:cNvPr id="3" name="Content Placeholder 2"/>
-          <p:cNvSpPr>
-            <a:spLocks noGrp="1"/>
-          </p:cNvSpPr>
-          <p:nvPr>
-            <p:ph idx="1"/>
-          </p:nvPr>
-        </p:nvSpPr>
-        <p:spPr/>
-        <p:txBody>
-          <a:bodyPr/>
-          <a:lstStyle/>
-          <a:p>
-            <a:r>
-              <a:rPr lang="pt-BR" dirty="0"/>
-              <a:t>delete(arr, n, pos) </a:t>
-            </a:r>
-            <a:endParaRPr lang="pt-BR" dirty="0" smtClean="0"/>
-          </a:p>
-          <a:p>
-            <a:r>
-              <a:rPr lang="pt-BR" dirty="0" smtClean="0"/>
-              <a:t>for </a:t>
-            </a:r>
-            <a:r>
-              <a:rPr lang="pt-BR" dirty="0"/>
-              <a:t>i from pos to </a:t>
-            </a:r>
-            <a:r>
-              <a:rPr lang="pt-BR" dirty="0" smtClean="0"/>
-              <a:t>n-1</a:t>
-            </a:r>
-          </a:p>
-          <a:p>
-            <a:r>
-              <a:rPr lang="pt-BR" dirty="0" smtClean="0"/>
-              <a:t> </a:t>
-            </a:r>
-            <a:r>
-              <a:rPr lang="pt-BR" dirty="0"/>
-              <a:t>arr[i] = arr[i+1</a:t>
-            </a:r>
-            <a:r>
-              <a:rPr lang="pt-BR" dirty="0" smtClean="0"/>
-              <a:t>]</a:t>
-            </a:r>
-          </a:p>
-          <a:p>
-            <a:r>
-              <a:rPr lang="pt-BR" dirty="0" smtClean="0"/>
-              <a:t> </a:t>
-            </a:r>
-            <a:r>
-              <a:rPr lang="pt-BR" dirty="0"/>
-              <a:t>n = n </a:t>
-            </a:r>
-            <a:r>
-              <a:rPr lang="pt-BR" dirty="0" smtClean="0"/>
-              <a:t>– 1</a:t>
-            </a:r>
-          </a:p>
-          <a:p>
-            <a:r>
-              <a:rPr lang="en-US" dirty="0" smtClean="0"/>
-              <a:t> </a:t>
-            </a:r>
-            <a:r>
-              <a:rPr lang="en-US" b="1" dirty="0"/>
-              <a:t>Explanation</a:t>
-            </a:r>
-            <a:r>
-              <a:rPr lang="en-US" dirty="0"/>
-              <a:t>: Shift elements to the left to fill the gap left by the deleted element.</a:t>
-            </a:r>
-          </a:p>
-        </p:txBody>
-      </p:sp>
-    </p:spTree>
-    <p:extLst>
-      <p:ext uri="{BB962C8B-B14F-4D97-AF65-F5344CB8AC3E}">
-        <p14:creationId xmlns:p14="http://schemas.microsoft.com/office/powerpoint/2010/main" val="41669062"/>
-      </p:ext>
-    </p:extLst>
-  </p:cSld>
-  <p:clrMapOvr>
-    <a:masterClrMapping/>
-  </p:clrMapOvr>
-</p:sld>
-</file>
-
-<file path=ppt/slides/slide13.xml><?xml version="1.0" encoding="utf-8"?>
-<p:sld xmlns:a="http://schemas.openxmlformats.org/drawingml/2006/main" xmlns:r="http://schemas.openxmlformats.org/officeDocument/2006/relationships" xmlns:p="http://schemas.openxmlformats.org/presentationml/2006/main">
-  <p:cSld>
-    <p:spTree>
-      <p:nvGrpSpPr>
-        <p:cNvPr id="1" name=""/>
-        <p:cNvGrpSpPr/>
-        <p:nvPr/>
-      </p:nvGrpSpPr>
-      <p:grpSpPr>
-        <a:xfrm>
-          <a:off x="0" y="0"/>
-          <a:ext cx="0" cy="0"/>
-          <a:chOff x="0" y="0"/>
-          <a:chExt cx="0" cy="0"/>
-        </a:xfrm>
-      </p:grpSpPr>
-      <p:sp>
-        <p:nvSpPr>
-          <p:cNvPr id="2" name="Title 1"/>
-          <p:cNvSpPr>
-            <a:spLocks noGrp="1"/>
-          </p:cNvSpPr>
-          <p:nvPr>
-            <p:ph type="title"/>
-          </p:nvPr>
-        </p:nvSpPr>
-        <p:spPr/>
-        <p:txBody>
-          <a:bodyPr/>
-          <a:lstStyle/>
-          <a:p>
-            <a:r>
-              <a:rPr lang="en-US" dirty="0"/>
               <a:t>Pseudocode for Searching (Linear Search)</a:t>
             </a:r>
           </a:p>
@@ -4486,7 +4124,7 @@
 </p:sld>
 </file>
 
-<file path=ppt/slides/slide14.xml><?xml version="1.0" encoding="utf-8"?>
+<file path=ppt/slides/slide13.xml><?xml version="1.0" encoding="utf-8"?>
 <p:sld xmlns:a="http://schemas.openxmlformats.org/drawingml/2006/main" xmlns:r="http://schemas.openxmlformats.org/officeDocument/2006/relationships" xmlns:p="http://schemas.openxmlformats.org/presentationml/2006/main">
   <p:cSld>
     <p:spTree>
@@ -4564,7 +4202,7 @@
 </p:sld>
 </file>
 
-<file path=ppt/slides/slide15.xml><?xml version="1.0" encoding="utf-8"?>
+<file path=ppt/slides/slide14.xml><?xml version="1.0" encoding="utf-8"?>
 <p:sld xmlns:a="http://schemas.openxmlformats.org/drawingml/2006/main" xmlns:r="http://schemas.openxmlformats.org/officeDocument/2006/relationships" xmlns:p="http://schemas.openxmlformats.org/presentationml/2006/main">
   <p:cSld>
     <p:spTree>
@@ -4600,7 +4238,6 @@
               <a:rPr lang="en-US" b="1" dirty="0"/>
               <a:t>Lab Exercise</a:t>
             </a:r>
-            <a:endParaRPr lang="en-US" b="1" dirty="0"/>
           </a:p>
         </p:txBody>
       </p:sp>
@@ -5194,9 +4831,8 @@
           <a:p>
             <a:r>
               <a:rPr lang="en-US" b="1" dirty="0"/>
-              <a:t>Types of Arrays</a:t>
-            </a:r>
-            <a:endParaRPr lang="en-US" b="1" dirty="0"/>
+              <a:t>Basic Array Operations</a:t>
+            </a:r>
           </a:p>
         </p:txBody>
       </p:sp>
@@ -5217,35 +4853,41 @@
           <a:p>
             <a:r>
               <a:rPr lang="en-US" b="1" dirty="0" smtClean="0"/>
-              <a:t>One-Dimensional </a:t>
-            </a:r>
+              <a:t>Insertion</a:t>
+            </a:r>
+            <a:r>
+              <a:rPr lang="en-US" dirty="0"/>
+              <a:t>: Add an element at a specific position.</a:t>
+            </a:r>
+          </a:p>
+          <a:p>
             <a:r>
               <a:rPr lang="en-US" b="1" dirty="0"/>
-              <a:t>Array (1D)</a:t>
+              <a:t>Deletion</a:t>
             </a:r>
             <a:r>
               <a:rPr lang="en-US" dirty="0"/>
-              <a:t>: A simple array of elements.</a:t>
+              <a:t>: Remove an element from a specific position.</a:t>
             </a:r>
           </a:p>
           <a:p>
             <a:r>
               <a:rPr lang="en-US" b="1" dirty="0"/>
-              <a:t>Two-Dimensional Array (2D)</a:t>
+              <a:t>Access</a:t>
             </a:r>
             <a:r>
               <a:rPr lang="en-US" dirty="0"/>
-              <a:t>: A matrix, used to store data in rows and columns.</a:t>
+              <a:t>: Retrieve an element at a given index.</a:t>
             </a:r>
           </a:p>
           <a:p>
             <a:r>
               <a:rPr lang="en-US" b="1" dirty="0"/>
-              <a:t>Multi-Dimensional Array</a:t>
+              <a:t>Search</a:t>
             </a:r>
             <a:r>
               <a:rPr lang="en-US" dirty="0"/>
-              <a:t>: Arrays of more than two dimensions.</a:t>
+              <a:t>: Find the position of an element in the array.</a:t>
             </a:r>
           </a:p>
         </p:txBody>
@@ -5253,7 +4895,7 @@
     </p:spTree>
     <p:extLst>
       <p:ext uri="{BB962C8B-B14F-4D97-AF65-F5344CB8AC3E}">
-        <p14:creationId xmlns:p14="http://schemas.microsoft.com/office/powerpoint/2010/main" val="588561809"/>
+        <p14:creationId xmlns:p14="http://schemas.microsoft.com/office/powerpoint/2010/main" val="414309211"/>
       </p:ext>
     </p:extLst>
   </p:cSld>
@@ -5297,9 +4939,8 @@
           <a:p>
             <a:r>
               <a:rPr lang="en-US" b="1" dirty="0"/>
-              <a:t>Basic Array Operations</a:t>
-            </a:r>
-            <a:endParaRPr lang="en-US" b="1" dirty="0"/>
+              <a:t>Insertion in an Array</a:t>
+            </a:r>
           </a:p>
         </p:txBody>
       </p:sp>
@@ -5320,41 +4961,42 @@
           <a:p>
             <a:r>
               <a:rPr lang="en-US" b="1" dirty="0" smtClean="0"/>
-              <a:t>Insertion</a:t>
+              <a:t>Procedure</a:t>
             </a:r>
             <a:r>
               <a:rPr lang="en-US" dirty="0"/>
-              <a:t>: Add an element at a specific position.</a:t>
+              <a:t>:</a:t>
+            </a:r>
+          </a:p>
+          <a:p>
+            <a:pPr lvl="1"/>
+            <a:r>
+              <a:rPr lang="en-US" dirty="0"/>
+              <a:t>Shift elements to the right to make space for the new element.</a:t>
+            </a:r>
+          </a:p>
+          <a:p>
+            <a:pPr lvl="1"/>
+            <a:r>
+              <a:rPr lang="en-US" dirty="0"/>
+              <a:t>Insert the new element at the desired position.</a:t>
+            </a:r>
+          </a:p>
+          <a:p>
+            <a:pPr lvl="1"/>
+            <a:r>
+              <a:rPr lang="en-US" dirty="0"/>
+              <a:t>Update the size of the array.</a:t>
             </a:r>
           </a:p>
           <a:p>
             <a:r>
               <a:rPr lang="en-US" b="1" dirty="0"/>
-              <a:t>Deletion</a:t>
+              <a:t>Time Complexity</a:t>
             </a:r>
             <a:r>
               <a:rPr lang="en-US" dirty="0"/>
-              <a:t>: Remove an element from a specific position.</a:t>
-            </a:r>
-          </a:p>
-          <a:p>
-            <a:r>
-              <a:rPr lang="en-US" b="1" dirty="0"/>
-              <a:t>Access</a:t>
-            </a:r>
-            <a:r>
-              <a:rPr lang="en-US" dirty="0"/>
-              <a:t>: Retrieve an element at a given index.</a:t>
-            </a:r>
-          </a:p>
-          <a:p>
-            <a:r>
-              <a:rPr lang="en-US" b="1" dirty="0"/>
-              <a:t>Search</a:t>
-            </a:r>
-            <a:r>
-              <a:rPr lang="en-US" dirty="0"/>
-              <a:t>: Find the position of an element in the array.</a:t>
+              <a:t>: O(n) in the worst case (if inserted at the start).</a:t>
             </a:r>
           </a:p>
         </p:txBody>
@@ -5362,7 +5004,7 @@
     </p:spTree>
     <p:extLst>
       <p:ext uri="{BB962C8B-B14F-4D97-AF65-F5344CB8AC3E}">
-        <p14:creationId xmlns:p14="http://schemas.microsoft.com/office/powerpoint/2010/main" val="414309211"/>
+        <p14:creationId xmlns:p14="http://schemas.microsoft.com/office/powerpoint/2010/main" val="4127305056"/>
       </p:ext>
     </p:extLst>
   </p:cSld>
@@ -5406,9 +5048,8 @@
           <a:p>
             <a:r>
               <a:rPr lang="en-US" b="1" dirty="0"/>
-              <a:t>Insertion in an Array</a:t>
-            </a:r>
-            <a:endParaRPr lang="en-US" b="1" dirty="0"/>
+              <a:t>Deletion in an Array</a:t>
+            </a:r>
           </a:p>
         </p:txBody>
       </p:sp>
@@ -5440,14 +5081,14 @@
             <a:pPr lvl="1"/>
             <a:r>
               <a:rPr lang="en-US" dirty="0"/>
-              <a:t>Shift elements to the right to make space for the new element.</a:t>
+              <a:t>Identify the position of the element to delete.</a:t>
             </a:r>
           </a:p>
           <a:p>
             <a:pPr lvl="1"/>
             <a:r>
               <a:rPr lang="en-US" dirty="0"/>
-              <a:t>Insert the new element at the desired position.</a:t>
+              <a:t>Shift elements to the left to fill the gap.</a:t>
             </a:r>
           </a:p>
           <a:p>
@@ -5464,7 +5105,7 @@
             </a:r>
             <a:r>
               <a:rPr lang="en-US" dirty="0"/>
-              <a:t>: O(n) in the worst case (if inserted at the start).</a:t>
+              <a:t>: O(n) in the worst case (if deleted from the start).</a:t>
             </a:r>
           </a:p>
         </p:txBody>
@@ -5472,7 +5113,7 @@
     </p:spTree>
     <p:extLst>
       <p:ext uri="{BB962C8B-B14F-4D97-AF65-F5344CB8AC3E}">
-        <p14:creationId xmlns:p14="http://schemas.microsoft.com/office/powerpoint/2010/main" val="4127305056"/>
+        <p14:creationId xmlns:p14="http://schemas.microsoft.com/office/powerpoint/2010/main" val="3162137959"/>
       </p:ext>
     </p:extLst>
   </p:cSld>
@@ -5516,9 +5157,8 @@
           <a:p>
             <a:r>
               <a:rPr lang="en-US" b="1" dirty="0"/>
-              <a:t>Deletion in an Array</a:t>
-            </a:r>
-            <a:endParaRPr lang="en-US" b="1" dirty="0"/>
+              <a:t>Search in an Array</a:t>
+            </a:r>
           </a:p>
         </p:txBody>
       </p:sp>
@@ -5539,7 +5179,11 @@
           <a:p>
             <a:r>
               <a:rPr lang="en-US" b="1" dirty="0" smtClean="0"/>
-              <a:t>Procedure</a:t>
+              <a:t>Linear </a:t>
+            </a:r>
+            <a:r>
+              <a:rPr lang="en-US" b="1" dirty="0"/>
+              <a:t>Search</a:t>
             </a:r>
             <a:r>
               <a:rPr lang="en-US" dirty="0"/>
@@ -5550,31 +5194,38 @@
             <a:pPr lvl="1"/>
             <a:r>
               <a:rPr lang="en-US" dirty="0"/>
-              <a:t>Identify the position of the element to delete.</a:t>
+              <a:t>Traverse the array from the beginning until the element is found.</a:t>
             </a:r>
           </a:p>
           <a:p>
             <a:pPr lvl="1"/>
             <a:r>
               <a:rPr lang="en-US" dirty="0"/>
-              <a:t>Shift elements to the left to fill the gap.</a:t>
+              <a:t>Time Complexity: O(n)</a:t>
+            </a:r>
+          </a:p>
+          <a:p>
+            <a:r>
+              <a:rPr lang="en-US" b="1" dirty="0"/>
+              <a:t>Binary Search</a:t>
+            </a:r>
+            <a:r>
+              <a:rPr lang="en-US" dirty="0"/>
+              <a:t> (only for sorted arrays):</a:t>
             </a:r>
           </a:p>
           <a:p>
             <a:pPr lvl="1"/>
             <a:r>
               <a:rPr lang="en-US" dirty="0"/>
-              <a:t>Update the size of the array.</a:t>
-            </a:r>
-          </a:p>
-          <a:p>
-            <a:r>
-              <a:rPr lang="en-US" b="1" dirty="0"/>
-              <a:t>Time Complexity</a:t>
-            </a:r>
+              <a:t>Divide the array into halves and search.</a:t>
+            </a:r>
+          </a:p>
+          <a:p>
+            <a:pPr lvl="1"/>
             <a:r>
               <a:rPr lang="en-US" dirty="0"/>
-              <a:t>: O(n) in the worst case (if deleted from the start).</a:t>
+              <a:t>Time Complexity: O(log n)</a:t>
             </a:r>
           </a:p>
         </p:txBody>
@@ -5582,7 +5233,7 @@
     </p:spTree>
     <p:extLst>
       <p:ext uri="{BB962C8B-B14F-4D97-AF65-F5344CB8AC3E}">
-        <p14:creationId xmlns:p14="http://schemas.microsoft.com/office/powerpoint/2010/main" val="3162137959"/>
+        <p14:creationId xmlns:p14="http://schemas.microsoft.com/office/powerpoint/2010/main" val="2821138585"/>
       </p:ext>
     </p:extLst>
   </p:cSld>
@@ -5625,77 +5276,90 @@
           <a:lstStyle/>
           <a:p>
             <a:r>
+              <a:rPr lang="en-US" dirty="0"/>
+              <a:t>Accessing an Array Element</a:t>
+            </a:r>
+          </a:p>
+        </p:txBody>
+      </p:sp>
+      <p:sp>
+        <p:nvSpPr>
+          <p:cNvPr id="3" name="Content Placeholder 2"/>
+          <p:cNvSpPr>
+            <a:spLocks noGrp="1"/>
+          </p:cNvSpPr>
+          <p:nvPr>
+            <p:ph idx="1"/>
+          </p:nvPr>
+        </p:nvSpPr>
+        <p:spPr/>
+        <p:txBody>
+          <a:bodyPr/>
+          <a:lstStyle/>
+          <a:p>
+            <a:r>
+              <a:rPr lang="en-US" dirty="0"/>
+              <a:t>Access an element using its index</a:t>
+            </a:r>
+            <a:r>
+              <a:rPr lang="en-US" dirty="0" smtClean="0"/>
+              <a:t>.</a:t>
+            </a:r>
+          </a:p>
+          <a:p>
+            <a:r>
+              <a:rPr lang="en-US" dirty="0"/>
+              <a:t>Example</a:t>
+            </a:r>
+            <a:r>
+              <a:rPr lang="en-US" dirty="0" smtClean="0"/>
+              <a:t>:</a:t>
+            </a:r>
+          </a:p>
+          <a:p>
+            <a:r>
+              <a:rPr lang="en-US" dirty="0" err="1"/>
+              <a:t>int</a:t>
+            </a:r>
+            <a:r>
+              <a:rPr lang="en-US" dirty="0"/>
+              <a:t> </a:t>
+            </a:r>
+            <a:r>
+              <a:rPr lang="en-US" dirty="0" err="1"/>
+              <a:t>arr</a:t>
+            </a:r>
+            <a:r>
+              <a:rPr lang="en-US" dirty="0"/>
+              <a:t>[] = {10, 20, 30, 40, 50};</a:t>
+            </a:r>
+          </a:p>
+          <a:p>
+            <a:r>
+              <a:rPr lang="en-US" dirty="0" err="1"/>
+              <a:t>printf</a:t>
+            </a:r>
+            <a:r>
+              <a:rPr lang="en-US" dirty="0"/>
+              <a:t>("%d", </a:t>
+            </a:r>
+            <a:r>
+              <a:rPr lang="en-US" dirty="0" err="1"/>
+              <a:t>arr</a:t>
+            </a:r>
+            <a:r>
+              <a:rPr lang="en-US" dirty="0"/>
+              <a:t>[2]);  // Output: 30</a:t>
+            </a:r>
+          </a:p>
+          <a:p>
+            <a:r>
               <a:rPr lang="en-US" b="1" dirty="0"/>
-              <a:t>Search in an Array</a:t>
-            </a:r>
-            <a:endParaRPr lang="en-US" b="1" dirty="0"/>
-          </a:p>
-        </p:txBody>
-      </p:sp>
-      <p:sp>
-        <p:nvSpPr>
-          <p:cNvPr id="3" name="Content Placeholder 2"/>
-          <p:cNvSpPr>
-            <a:spLocks noGrp="1"/>
-          </p:cNvSpPr>
-          <p:nvPr>
-            <p:ph idx="1"/>
-          </p:nvPr>
-        </p:nvSpPr>
-        <p:spPr/>
-        <p:txBody>
-          <a:bodyPr/>
-          <a:lstStyle/>
-          <a:p>
-            <a:r>
-              <a:rPr lang="en-US" b="1" dirty="0" smtClean="0"/>
-              <a:t>Linear </a:t>
-            </a:r>
-            <a:r>
-              <a:rPr lang="en-US" b="1" dirty="0"/>
-              <a:t>Search</a:t>
+              <a:t>Time Complexity</a:t>
             </a:r>
             <a:r>
               <a:rPr lang="en-US" dirty="0"/>
-              <a:t>:</a:t>
-            </a:r>
-          </a:p>
-          <a:p>
-            <a:pPr lvl="1"/>
-            <a:r>
-              <a:rPr lang="en-US" dirty="0"/>
-              <a:t>Traverse the array from the beginning until the element is found.</a:t>
-            </a:r>
-          </a:p>
-          <a:p>
-            <a:pPr lvl="1"/>
-            <a:r>
-              <a:rPr lang="en-US" dirty="0"/>
-              <a:t>Time Complexity: O(n)</a:t>
-            </a:r>
-          </a:p>
-          <a:p>
-            <a:r>
-              <a:rPr lang="en-US" b="1" dirty="0"/>
-              <a:t>Binary Search</a:t>
-            </a:r>
-            <a:r>
-              <a:rPr lang="en-US" dirty="0"/>
-              <a:t> (only for sorted arrays):</a:t>
-            </a:r>
-          </a:p>
-          <a:p>
-            <a:pPr lvl="1"/>
-            <a:r>
-              <a:rPr lang="en-US" dirty="0"/>
-              <a:t>Divide the array into halves and search.</a:t>
-            </a:r>
-          </a:p>
-          <a:p>
-            <a:pPr lvl="1"/>
-            <a:r>
-              <a:rPr lang="en-US" dirty="0"/>
-              <a:t>Time Complexity: O(log n)</a:t>
+              <a:t>: O(1)</a:t>
             </a:r>
           </a:p>
         </p:txBody>
@@ -5703,7 +5367,7 @@
     </p:spTree>
     <p:extLst>
       <p:ext uri="{BB962C8B-B14F-4D97-AF65-F5344CB8AC3E}">
-        <p14:creationId xmlns:p14="http://schemas.microsoft.com/office/powerpoint/2010/main" val="2821138585"/>
+        <p14:creationId xmlns:p14="http://schemas.microsoft.com/office/powerpoint/2010/main" val="1322569300"/>
       </p:ext>
     </p:extLst>
   </p:cSld>
@@ -5747,89 +5411,321 @@
           <a:p>
             <a:r>
               <a:rPr lang="en-US" dirty="0"/>
-              <a:t>Accessing an Array Element</a:t>
-            </a:r>
-          </a:p>
-        </p:txBody>
-      </p:sp>
-      <p:sp>
-        <p:nvSpPr>
-          <p:cNvPr id="3" name="Content Placeholder 2"/>
-          <p:cNvSpPr>
-            <a:spLocks noGrp="1"/>
+              <a:t>Lab Task Overview</a:t>
+            </a:r>
+          </a:p>
+        </p:txBody>
+      </p:sp>
+      <p:sp>
+        <p:nvSpPr>
+          <p:cNvPr id="4" name="Rectangle 1"/>
+          <p:cNvSpPr>
+            <a:spLocks noGrp="1" noChangeArrowheads="1"/>
           </p:cNvSpPr>
           <p:nvPr>
             <p:ph idx="1"/>
           </p:nvPr>
         </p:nvSpPr>
-        <p:spPr/>
-        <p:txBody>
-          <a:bodyPr/>
-          <a:lstStyle/>
-          <a:p>
-            <a:r>
-              <a:rPr lang="en-US" dirty="0"/>
-              <a:t>Access an element using its index</a:t>
-            </a:r>
-            <a:r>
-              <a:rPr lang="en-US" dirty="0" smtClean="0"/>
-              <a:t>.</a:t>
-            </a:r>
-          </a:p>
-          <a:p>
-            <a:r>
-              <a:rPr lang="en-US" dirty="0"/>
-              <a:t>Example</a:t>
-            </a:r>
-            <a:r>
-              <a:rPr lang="en-US" dirty="0" smtClean="0"/>
+        <p:spPr bwMode="auto">
+          <a:prstGeom prst="rect">
+            <a:avLst/>
+          </a:prstGeom>
+          <a:noFill/>
+          <a:ln>
+            <a:noFill/>
+          </a:ln>
+          <a:effectLst/>
+          <a:extLst>
+            <a:ext uri="{909E8E84-426E-40DD-AFC4-6F175D3DCCD1}">
+              <a14:hiddenFill xmlns:a14="http://schemas.microsoft.com/office/drawing/2010/main">
+                <a:solidFill>
+                  <a:schemeClr val="accent1"/>
+                </a:solidFill>
+              </a14:hiddenFill>
+            </a:ext>
+            <a:ext uri="{91240B29-F687-4F45-9708-019B960494DF}">
+              <a14:hiddenLine xmlns:a14="http://schemas.microsoft.com/office/drawing/2010/main" w="9525">
+                <a:solidFill>
+                  <a:schemeClr val="tx1"/>
+                </a:solidFill>
+                <a:miter lim="800000"/>
+                <a:headEnd/>
+                <a:tailEnd/>
+              </a14:hiddenLine>
+            </a:ext>
+            <a:ext uri="{AF507438-7753-43E0-B8FC-AC1667EBCBE1}">
+              <a14:hiddenEffects xmlns:a14="http://schemas.microsoft.com/office/drawing/2010/main">
+                <a:effectLst>
+                  <a:outerShdw dist="35921" dir="2700000" algn="ctr" rotWithShape="0">
+                    <a:schemeClr val="bg2"/>
+                  </a:outerShdw>
+                </a:effectLst>
+              </a14:hiddenEffects>
+            </a:ext>
+          </a:extLst>
+        </p:spPr>
+        <p:txBody>
+          <a:bodyPr vert="horz" wrap="none" lIns="91440" tIns="45720" rIns="91440" bIns="45720" numCol="1" anchor="ctr" anchorCtr="0" compatLnSpc="1">
+            <a:prstTxWarp prst="textNoShape">
+              <a:avLst/>
+            </a:prstTxWarp>
+            <a:spAutoFit/>
+          </a:bodyPr>
+          <a:lstStyle/>
+          <a:p>
+            <a:pPr marL="0" marR="0" lvl="0" indent="0" algn="l" defTabSz="914400" rtl="0" eaLnBrk="0" fontAlgn="base" latinLnBrk="0" hangingPunct="0">
+              <a:lnSpc>
+                <a:spcPct val="100000"/>
+              </a:lnSpc>
+              <a:spcBef>
+                <a:spcPct val="0"/>
+              </a:spcBef>
+              <a:spcAft>
+                <a:spcPct val="0"/>
+              </a:spcAft>
+              <a:buClrTx/>
+              <a:buSzTx/>
+              <a:buFontTx/>
+              <a:buChar char="•"/>
+              <a:tabLst/>
+            </a:pPr>
+            <a:r>
+              <a:rPr kumimoji="0" lang="en-US" altLang="en-US" sz="1800" b="1" i="0" u="none" strike="noStrike" cap="none" normalizeH="0" baseline="0" smtClean="0">
+                <a:ln>
+                  <a:noFill/>
+                </a:ln>
+                <a:solidFill>
+                  <a:schemeClr val="tx1"/>
+                </a:solidFill>
+                <a:effectLst/>
+                <a:latin typeface="Arial" panose="020B0604020202020204" pitchFamily="34" charset="0"/>
+              </a:rPr>
+              <a:t>Create an Array</a:t>
+            </a:r>
+            <a:r>
+              <a:rPr kumimoji="0" lang="en-US" altLang="en-US" sz="1800" b="0" i="0" u="none" strike="noStrike" cap="none" normalizeH="0" baseline="0" smtClean="0">
+                <a:ln>
+                  <a:noFill/>
+                </a:ln>
+                <a:solidFill>
+                  <a:schemeClr val="tx1"/>
+                </a:solidFill>
+                <a:effectLst/>
+                <a:latin typeface="Arial" panose="020B0604020202020204" pitchFamily="34" charset="0"/>
+              </a:rPr>
+              <a:t>: Initialize an array and store elements.</a:t>
+            </a:r>
+          </a:p>
+          <a:p>
+            <a:pPr marL="0" marR="0" lvl="0" indent="0" algn="l" defTabSz="914400" rtl="0" eaLnBrk="0" fontAlgn="base" latinLnBrk="0" hangingPunct="0">
+              <a:lnSpc>
+                <a:spcPct val="100000"/>
+              </a:lnSpc>
+              <a:spcBef>
+                <a:spcPct val="0"/>
+              </a:spcBef>
+              <a:spcAft>
+                <a:spcPct val="0"/>
+              </a:spcAft>
+              <a:buClrTx/>
+              <a:buSzTx/>
+              <a:buFontTx/>
+              <a:buChar char="•"/>
+              <a:tabLst/>
+            </a:pPr>
+            <a:r>
+              <a:rPr kumimoji="0" lang="en-US" altLang="en-US" sz="1800" b="1" i="0" u="none" strike="noStrike" cap="none" normalizeH="0" baseline="0" smtClean="0">
+                <a:ln>
+                  <a:noFill/>
+                </a:ln>
+                <a:solidFill>
+                  <a:schemeClr val="tx1"/>
+                </a:solidFill>
+                <a:effectLst/>
+                <a:latin typeface="Arial" panose="020B0604020202020204" pitchFamily="34" charset="0"/>
+              </a:rPr>
+              <a:t>Perform Operations</a:t>
+            </a:r>
+            <a:r>
+              <a:rPr kumimoji="0" lang="en-US" altLang="en-US" sz="1800" b="0" i="0" u="none" strike="noStrike" cap="none" normalizeH="0" baseline="0" smtClean="0">
+                <a:ln>
+                  <a:noFill/>
+                </a:ln>
+                <a:solidFill>
+                  <a:schemeClr val="tx1"/>
+                </a:solidFill>
+                <a:effectLst/>
+                <a:latin typeface="Arial" panose="020B0604020202020204" pitchFamily="34" charset="0"/>
+              </a:rPr>
               <a:t>:</a:t>
             </a:r>
           </a:p>
           <a:p>
-            <a:r>
-              <a:rPr lang="en-US" dirty="0" err="1"/>
-              <a:t>int</a:t>
-            </a:r>
-            <a:r>
-              <a:rPr lang="en-US" dirty="0"/>
-              <a:t> </a:t>
-            </a:r>
-            <a:r>
-              <a:rPr lang="en-US" dirty="0" err="1"/>
-              <a:t>arr</a:t>
-            </a:r>
-            <a:r>
-              <a:rPr lang="en-US" dirty="0"/>
-              <a:t>[] = {10, 20, 30, 40, 50};</a:t>
-            </a:r>
-          </a:p>
-          <a:p>
-            <a:r>
-              <a:rPr lang="en-US" dirty="0" err="1"/>
-              <a:t>printf</a:t>
-            </a:r>
-            <a:r>
-              <a:rPr lang="en-US" dirty="0"/>
-              <a:t>("%d", </a:t>
-            </a:r>
-            <a:r>
-              <a:rPr lang="en-US" dirty="0" err="1"/>
-              <a:t>arr</a:t>
-            </a:r>
-            <a:r>
-              <a:rPr lang="en-US" dirty="0"/>
-              <a:t>[2]);  // Output: 30</a:t>
-            </a:r>
-          </a:p>
-          <a:p>
-            <a:r>
-              <a:rPr lang="en-US" b="1" dirty="0"/>
-              <a:t>Time Complexity</a:t>
-            </a:r>
-            <a:r>
-              <a:rPr lang="en-US" dirty="0"/>
-              <a:t>: O(1)</a:t>
+            <a:pPr marL="0" marR="0" lvl="0" indent="0" algn="l" defTabSz="914400" rtl="0" eaLnBrk="0" fontAlgn="base" latinLnBrk="0" hangingPunct="0">
+              <a:lnSpc>
+                <a:spcPct val="100000"/>
+              </a:lnSpc>
+              <a:spcBef>
+                <a:spcPct val="0"/>
+              </a:spcBef>
+              <a:spcAft>
+                <a:spcPct val="0"/>
+              </a:spcAft>
+              <a:buClrTx/>
+              <a:buSzTx/>
+              <a:buFontTx/>
+              <a:buChar char="•"/>
+              <a:tabLst/>
+            </a:pPr>
+            <a:r>
+              <a:rPr kumimoji="0" lang="en-US" altLang="en-US" sz="1800" b="0" i="0" u="none" strike="noStrike" cap="none" normalizeH="0" baseline="0" smtClean="0">
+                <a:ln>
+                  <a:noFill/>
+                </a:ln>
+                <a:solidFill>
+                  <a:schemeClr val="tx1"/>
+                </a:solidFill>
+                <a:effectLst/>
+                <a:latin typeface="Arial" panose="020B0604020202020204" pitchFamily="34" charset="0"/>
+              </a:rPr>
+              <a:t>Insert an element at a specific position.</a:t>
+            </a:r>
+          </a:p>
+          <a:p>
+            <a:pPr marL="0" marR="0" lvl="0" indent="0" algn="l" defTabSz="914400" rtl="0" eaLnBrk="0" fontAlgn="base" latinLnBrk="0" hangingPunct="0">
+              <a:lnSpc>
+                <a:spcPct val="100000"/>
+              </a:lnSpc>
+              <a:spcBef>
+                <a:spcPct val="0"/>
+              </a:spcBef>
+              <a:spcAft>
+                <a:spcPct val="0"/>
+              </a:spcAft>
+              <a:buClrTx/>
+              <a:buSzTx/>
+              <a:buFontTx/>
+              <a:buChar char="•"/>
+              <a:tabLst/>
+            </a:pPr>
+            <a:r>
+              <a:rPr kumimoji="0" lang="en-US" altLang="en-US" sz="1800" b="0" i="0" u="none" strike="noStrike" cap="none" normalizeH="0" baseline="0" smtClean="0">
+                <a:ln>
+                  <a:noFill/>
+                </a:ln>
+                <a:solidFill>
+                  <a:schemeClr val="tx1"/>
+                </a:solidFill>
+                <a:effectLst/>
+                <a:latin typeface="Arial" panose="020B0604020202020204" pitchFamily="34" charset="0"/>
+              </a:rPr>
+              <a:t>Delete an element from a specific position.</a:t>
+            </a:r>
+          </a:p>
+          <a:p>
+            <a:pPr marL="0" marR="0" lvl="0" indent="0" algn="l" defTabSz="914400" rtl="0" eaLnBrk="0" fontAlgn="base" latinLnBrk="0" hangingPunct="0">
+              <a:lnSpc>
+                <a:spcPct val="100000"/>
+              </a:lnSpc>
+              <a:spcBef>
+                <a:spcPct val="0"/>
+              </a:spcBef>
+              <a:spcAft>
+                <a:spcPct val="0"/>
+              </a:spcAft>
+              <a:buClrTx/>
+              <a:buSzTx/>
+              <a:buFontTx/>
+              <a:buChar char="•"/>
+              <a:tabLst/>
+            </a:pPr>
+            <a:r>
+              <a:rPr kumimoji="0" lang="en-US" altLang="en-US" sz="1800" b="0" i="0" u="none" strike="noStrike" cap="none" normalizeH="0" baseline="0" smtClean="0">
+                <a:ln>
+                  <a:noFill/>
+                </a:ln>
+                <a:solidFill>
+                  <a:schemeClr val="tx1"/>
+                </a:solidFill>
+                <a:effectLst/>
+                <a:latin typeface="Arial" panose="020B0604020202020204" pitchFamily="34" charset="0"/>
+              </a:rPr>
+              <a:t>Search for an element in the array.</a:t>
+            </a:r>
+          </a:p>
+          <a:p>
+            <a:pPr marL="0" marR="0" lvl="0" indent="0" algn="l" defTabSz="914400" rtl="0" eaLnBrk="0" fontAlgn="base" latinLnBrk="0" hangingPunct="0">
+              <a:lnSpc>
+                <a:spcPct val="100000"/>
+              </a:lnSpc>
+              <a:spcBef>
+                <a:spcPct val="0"/>
+              </a:spcBef>
+              <a:spcAft>
+                <a:spcPct val="0"/>
+              </a:spcAft>
+              <a:buClrTx/>
+              <a:buSzTx/>
+              <a:buFontTx/>
+              <a:buChar char="•"/>
+              <a:tabLst/>
+            </a:pPr>
+            <a:r>
+              <a:rPr kumimoji="0" lang="en-US" altLang="en-US" sz="1800" b="0" i="0" u="none" strike="noStrike" cap="none" normalizeH="0" baseline="0" smtClean="0">
+                <a:ln>
+                  <a:noFill/>
+                </a:ln>
+                <a:solidFill>
+                  <a:schemeClr val="tx1"/>
+                </a:solidFill>
+                <a:effectLst/>
+                <a:latin typeface="Arial" panose="020B0604020202020204" pitchFamily="34" charset="0"/>
+              </a:rPr>
+              <a:t>Print the array after each operation.</a:t>
+            </a:r>
+          </a:p>
+          <a:p>
+            <a:pPr marL="0" marR="0" lvl="0" indent="0" algn="l" defTabSz="914400" rtl="0" eaLnBrk="0" fontAlgn="base" latinLnBrk="0" hangingPunct="0">
+              <a:lnSpc>
+                <a:spcPct val="100000"/>
+              </a:lnSpc>
+              <a:spcBef>
+                <a:spcPct val="0"/>
+              </a:spcBef>
+              <a:spcAft>
+                <a:spcPct val="0"/>
+              </a:spcAft>
+              <a:buClrTx/>
+              <a:buSzTx/>
+              <a:buFontTx/>
+              <a:buChar char="•"/>
+              <a:tabLst/>
+            </a:pPr>
+            <a:r>
+              <a:rPr kumimoji="0" lang="en-US" altLang="en-US" sz="1800" b="1" i="0" u="none" strike="noStrike" cap="none" normalizeH="0" baseline="0" smtClean="0">
+                <a:ln>
+                  <a:noFill/>
+                </a:ln>
+                <a:solidFill>
+                  <a:schemeClr val="tx1"/>
+                </a:solidFill>
+                <a:effectLst/>
+                <a:latin typeface="Arial" panose="020B0604020202020204" pitchFamily="34" charset="0"/>
+              </a:rPr>
+              <a:t>Tools/Language</a:t>
+            </a:r>
+            <a:r>
+              <a:rPr kumimoji="0" lang="en-US" altLang="en-US" sz="1800" b="0" i="0" u="none" strike="noStrike" cap="none" normalizeH="0" baseline="0" smtClean="0">
+                <a:ln>
+                  <a:noFill/>
+                </a:ln>
+                <a:solidFill>
+                  <a:schemeClr val="tx1"/>
+                </a:solidFill>
+                <a:effectLst/>
+                <a:latin typeface="Arial" panose="020B0604020202020204" pitchFamily="34" charset="0"/>
+              </a:rPr>
+              <a:t>: Use C/C++/Java/Python to implement. </a:t>
             </a:r>
           </a:p>
         </p:txBody>
@@ -5837,7 +5733,7 @@
     </p:spTree>
     <p:extLst>
       <p:ext uri="{BB962C8B-B14F-4D97-AF65-F5344CB8AC3E}">
-        <p14:creationId xmlns:p14="http://schemas.microsoft.com/office/powerpoint/2010/main" val="1322569300"/>
+        <p14:creationId xmlns:p14="http://schemas.microsoft.com/office/powerpoint/2010/main" val="4131953968"/>
       </p:ext>
     </p:extLst>
   </p:cSld>

--- a/Lab 2_DS.pptx
+++ b/Lab 2_DS.pptx
@@ -293,7 +293,7 @@
           <a:p>
             <a:fld id="{4AAD347D-5ACD-4C99-B74B-A9C85AD731AF}" type="datetimeFigureOut">
               <a:rPr lang="en-US" smtClean="0"/>
-              <a:t>10/17/2024</a:t>
+              <a:t>10/24/2024</a:t>
             </a:fld>
             <a:endParaRPr lang="en-US" dirty="0"/>
           </a:p>
@@ -521,7 +521,7 @@
           <a:p>
             <a:fld id="{4509A250-FF31-4206-8172-F9D3106AACB1}" type="datetimeFigureOut">
               <a:rPr lang="en-US" smtClean="0"/>
-              <a:t>10/17/2024</a:t>
+              <a:t>10/24/2024</a:t>
             </a:fld>
             <a:endParaRPr lang="en-US" dirty="0"/>
           </a:p>
@@ -701,7 +701,7 @@
           <a:p>
             <a:fld id="{4509A250-FF31-4206-8172-F9D3106AACB1}" type="datetimeFigureOut">
               <a:rPr lang="en-US" smtClean="0"/>
-              <a:t>10/17/2024</a:t>
+              <a:t>10/24/2024</a:t>
             </a:fld>
             <a:endParaRPr lang="en-US" dirty="0"/>
           </a:p>
@@ -871,7 +871,7 @@
           <a:p>
             <a:fld id="{4509A250-FF31-4206-8172-F9D3106AACB1}" type="datetimeFigureOut">
               <a:rPr lang="en-US" smtClean="0"/>
-              <a:t>10/17/2024</a:t>
+              <a:t>10/24/2024</a:t>
             </a:fld>
             <a:endParaRPr lang="en-US" dirty="0"/>
           </a:p>
@@ -1125,7 +1125,7 @@
           <a:p>
             <a:fld id="{9796027F-7875-4030-9381-8BD8C4F21935}" type="datetimeFigureOut">
               <a:rPr lang="en-US" smtClean="0"/>
-              <a:t>10/17/2024</a:t>
+              <a:t>10/24/2024</a:t>
             </a:fld>
             <a:endParaRPr lang="en-US" dirty="0"/>
           </a:p>
@@ -1451,7 +1451,7 @@
           <a:p>
             <a:fld id="{9796027F-7875-4030-9381-8BD8C4F21935}" type="datetimeFigureOut">
               <a:rPr lang="en-US" smtClean="0"/>
-              <a:t>10/17/2024</a:t>
+              <a:t>10/24/2024</a:t>
             </a:fld>
             <a:endParaRPr lang="en-US" dirty="0"/>
           </a:p>
@@ -1902,7 +1902,7 @@
           <a:p>
             <a:fld id="{9796027F-7875-4030-9381-8BD8C4F21935}" type="datetimeFigureOut">
               <a:rPr lang="en-US" smtClean="0"/>
-              <a:t>10/17/2024</a:t>
+              <a:t>10/24/2024</a:t>
             </a:fld>
             <a:endParaRPr lang="en-US" dirty="0"/>
           </a:p>
@@ -2020,7 +2020,7 @@
           <a:p>
             <a:fld id="{4509A250-FF31-4206-8172-F9D3106AACB1}" type="datetimeFigureOut">
               <a:rPr lang="en-US" smtClean="0"/>
-              <a:t>10/17/2024</a:t>
+              <a:t>10/24/2024</a:t>
             </a:fld>
             <a:endParaRPr lang="en-US" dirty="0"/>
           </a:p>
@@ -2115,7 +2115,7 @@
           <a:p>
             <a:fld id="{4509A250-FF31-4206-8172-F9D3106AACB1}" type="datetimeFigureOut">
               <a:rPr lang="en-US" smtClean="0"/>
-              <a:t>10/17/2024</a:t>
+              <a:t>10/24/2024</a:t>
             </a:fld>
             <a:endParaRPr lang="en-US" dirty="0"/>
           </a:p>
@@ -2402,7 +2402,7 @@
           <a:p>
             <a:fld id="{4509A250-FF31-4206-8172-F9D3106AACB1}" type="datetimeFigureOut">
               <a:rPr lang="en-US" smtClean="0"/>
-              <a:t>10/17/2024</a:t>
+              <a:t>10/24/2024</a:t>
             </a:fld>
             <a:endParaRPr lang="en-US" dirty="0"/>
           </a:p>
@@ -2724,7 +2724,7 @@
           <a:p>
             <a:fld id="{4509A250-FF31-4206-8172-F9D3106AACB1}" type="datetimeFigureOut">
               <a:rPr lang="en-US" smtClean="0"/>
-              <a:t>10/17/2024</a:t>
+              <a:t>10/24/2024</a:t>
             </a:fld>
             <a:endParaRPr lang="en-US" dirty="0"/>
           </a:p>
@@ -2978,7 +2978,7 @@
           <a:p>
             <a:fld id="{4AAD347D-5ACD-4C99-B74B-A9C85AD731AF}" type="datetimeFigureOut">
               <a:rPr lang="en-US" smtClean="0"/>
-              <a:t>10/17/2024</a:t>
+              <a:t>10/24/2024</a:t>
             </a:fld>
             <a:endParaRPr lang="en-US" dirty="0"/>
           </a:p>
